--- a/SU(4) spin liquid triangular lattice.pptx
+++ b/SU(4) spin liquid triangular lattice.pptx
@@ -105,7 +105,73 @@
       </a:defRPr>
     </a:lvl9pPr>
   </p:defaultTextStyle>
+  <p:extLst>
+    <p:ext uri="{EFAFB233-063F-42B5-8137-9DF3F51BA10A}">
+      <p15:sldGuideLst xmlns:p15="http://schemas.microsoft.com/office/powerpoint/2012/main"/>
+    </p:ext>
+  </p:extLst>
 </p:presentation>
+</file>
+
+<file path=ppt/revisionInfo.xml><?xml version="1.0" encoding="utf-8"?>
+<p1510:revInfo xmlns:a="http://schemas.openxmlformats.org/drawingml/2006/main" xmlns:r="http://schemas.openxmlformats.org/officeDocument/2006/relationships" xmlns:p1510="http://schemas.microsoft.com/office/powerpoint/2015/10/main">
+  <p1510:revLst>
+    <p1510:client id="{CCBFCF04-D448-BD4A-90FF-3835BD6E591B}" v="2" dt="2025-03-31T02:16:55.966"/>
+  </p1510:revLst>
+</p1510:revInfo>
+</file>
+
+<file path=ppt/changesInfos/changesInfo1.xml><?xml version="1.0" encoding="utf-8"?>
+<pc:chgInfo xmlns:a="http://schemas.openxmlformats.org/drawingml/2006/main" xmlns:r="http://schemas.openxmlformats.org/officeDocument/2006/relationships" xmlns:ac="http://schemas.microsoft.com/office/drawing/2013/main/command" xmlns:pc="http://schemas.microsoft.com/office/powerpoint/2013/main/command">
+  <pc:docChgLst>
+    <pc:chgData name="ZHANG Lu" userId="a7755d5a-dac4-4bca-8886-651b1459393b" providerId="ADAL" clId="{CCBFCF04-D448-BD4A-90FF-3835BD6E591B}"/>
+    <pc:docChg chg="modSld">
+      <pc:chgData name="ZHANG Lu" userId="a7755d5a-dac4-4bca-8886-651b1459393b" providerId="ADAL" clId="{CCBFCF04-D448-BD4A-90FF-3835BD6E591B}" dt="2025-03-31T02:17:12.216" v="45" actId="1076"/>
+      <pc:docMkLst>
+        <pc:docMk/>
+      </pc:docMkLst>
+      <pc:sldChg chg="addSp modSp mod">
+        <pc:chgData name="ZHANG Lu" userId="a7755d5a-dac4-4bca-8886-651b1459393b" providerId="ADAL" clId="{CCBFCF04-D448-BD4A-90FF-3835BD6E591B}" dt="2025-03-31T02:17:12.216" v="45" actId="1076"/>
+        <pc:sldMkLst>
+          <pc:docMk/>
+          <pc:sldMk cId="3000004922" sldId="257"/>
+        </pc:sldMkLst>
+        <pc:spChg chg="add mod">
+          <ac:chgData name="ZHANG Lu" userId="a7755d5a-dac4-4bca-8886-651b1459393b" providerId="ADAL" clId="{CCBFCF04-D448-BD4A-90FF-3835BD6E591B}" dt="2025-03-31T02:16:40.944" v="33" actId="1076"/>
+          <ac:spMkLst>
+            <pc:docMk/>
+            <pc:sldMk cId="3000004922" sldId="257"/>
+            <ac:spMk id="2" creationId="{78D61380-D858-27AB-EC8C-769D80755C69}"/>
+          </ac:spMkLst>
+        </pc:spChg>
+        <pc:spChg chg="add mod">
+          <ac:chgData name="ZHANG Lu" userId="a7755d5a-dac4-4bca-8886-651b1459393b" providerId="ADAL" clId="{CCBFCF04-D448-BD4A-90FF-3835BD6E591B}" dt="2025-03-31T02:17:12.216" v="45" actId="1076"/>
+          <ac:spMkLst>
+            <pc:docMk/>
+            <pc:sldMk cId="3000004922" sldId="257"/>
+            <ac:spMk id="8" creationId="{356CC47F-33A1-6A61-459A-ADA16846CCC9}"/>
+          </ac:spMkLst>
+        </pc:spChg>
+        <pc:cxnChg chg="add mod">
+          <ac:chgData name="ZHANG Lu" userId="a7755d5a-dac4-4bca-8886-651b1459393b" providerId="ADAL" clId="{CCBFCF04-D448-BD4A-90FF-3835BD6E591B}" dt="2025-03-31T02:16:53.451" v="35" actId="13822"/>
+          <ac:cxnSpMkLst>
+            <pc:docMk/>
+            <pc:sldMk cId="3000004922" sldId="257"/>
+            <ac:cxnSpMk id="6" creationId="{65D45E70-CFAB-73A2-92AB-87E54FD28126}"/>
+          </ac:cxnSpMkLst>
+        </pc:cxnChg>
+        <pc:cxnChg chg="add mod">
+          <ac:chgData name="ZHANG Lu" userId="a7755d5a-dac4-4bca-8886-651b1459393b" providerId="ADAL" clId="{CCBFCF04-D448-BD4A-90FF-3835BD6E591B}" dt="2025-03-31T02:17:10.032" v="44" actId="1076"/>
+          <ac:cxnSpMkLst>
+            <pc:docMk/>
+            <pc:sldMk cId="3000004922" sldId="257"/>
+            <ac:cxnSpMk id="13" creationId="{D0A34DE2-BECC-2AD4-B277-5ADA9D000BE9}"/>
+          </ac:cxnSpMkLst>
+        </pc:cxnChg>
+      </pc:sldChg>
+    </pc:docChg>
+  </pc:docChgLst>
+</pc:chgInfo>
 </file>
 
 <file path=ppt/slideLayouts/slideLayout1.xml><?xml version="1.0" encoding="utf-8"?>
@@ -4262,6 +4328,158 @@
           </a:p>
         </p:txBody>
       </p:sp>
+      <p:sp>
+        <p:nvSpPr>
+          <p:cNvPr id="2" name="TextBox 1">
+            <a:extLst>
+              <a:ext uri="{FF2B5EF4-FFF2-40B4-BE49-F238E27FC236}">
+                <a16:creationId xmlns:a16="http://schemas.microsoft.com/office/drawing/2014/main" id="{78D61380-D858-27AB-EC8C-769D80755C69}"/>
+              </a:ext>
+            </a:extLst>
+          </p:cNvPr>
+          <p:cNvSpPr txBox="1"/>
+          <p:nvPr/>
+        </p:nvSpPr>
+        <p:spPr>
+          <a:xfrm>
+            <a:off x="3901139" y="1072055"/>
+            <a:ext cx="2037353" cy="369332"/>
+          </a:xfrm>
+          <a:prstGeom prst="rect">
+            <a:avLst/>
+          </a:prstGeom>
+          <a:noFill/>
+        </p:spPr>
+        <p:txBody>
+          <a:bodyPr wrap="none" rtlCol="0">
+            <a:spAutoFit/>
+          </a:bodyPr>
+          <a:lstStyle/>
+          <a:p>
+            <a:r>
+              <a:rPr lang="en-US" dirty="0"/>
+              <a:t>Periodic boundary </a:t>
+            </a:r>
+          </a:p>
+        </p:txBody>
+      </p:sp>
+      <p:cxnSp>
+        <p:nvCxnSpPr>
+          <p:cNvPr id="6" name="Straight Arrow Connector 5">
+            <a:extLst>
+              <a:ext uri="{FF2B5EF4-FFF2-40B4-BE49-F238E27FC236}">
+                <a16:creationId xmlns:a16="http://schemas.microsoft.com/office/drawing/2014/main" id="{65D45E70-CFAB-73A2-92AB-87E54FD28126}"/>
+              </a:ext>
+            </a:extLst>
+          </p:cNvPr>
+          <p:cNvCxnSpPr>
+            <a:stCxn id="2" idx="2"/>
+          </p:cNvCxnSpPr>
+          <p:nvPr/>
+        </p:nvCxnSpPr>
+        <p:spPr>
+          <a:xfrm flipH="1">
+            <a:off x="4659318" y="1441387"/>
+            <a:ext cx="260498" cy="1082183"/>
+          </a:xfrm>
+          <a:prstGeom prst="straightConnector1">
+            <a:avLst/>
+          </a:prstGeom>
+          <a:ln>
+            <a:tailEnd type="triangle"/>
+          </a:ln>
+        </p:spPr>
+        <p:style>
+          <a:lnRef idx="2">
+            <a:schemeClr val="dk1"/>
+          </a:lnRef>
+          <a:fillRef idx="0">
+            <a:schemeClr val="dk1"/>
+          </a:fillRef>
+          <a:effectRef idx="1">
+            <a:schemeClr val="dk1"/>
+          </a:effectRef>
+          <a:fontRef idx="minor">
+            <a:schemeClr val="tx1"/>
+          </a:fontRef>
+        </p:style>
+      </p:cxnSp>
+      <p:sp>
+        <p:nvSpPr>
+          <p:cNvPr id="8" name="TextBox 7">
+            <a:extLst>
+              <a:ext uri="{FF2B5EF4-FFF2-40B4-BE49-F238E27FC236}">
+                <a16:creationId xmlns:a16="http://schemas.microsoft.com/office/drawing/2014/main" id="{356CC47F-33A1-6A61-459A-ADA16846CCC9}"/>
+              </a:ext>
+            </a:extLst>
+          </p:cNvPr>
+          <p:cNvSpPr txBox="1"/>
+          <p:nvPr/>
+        </p:nvSpPr>
+        <p:spPr>
+          <a:xfrm>
+            <a:off x="8185920" y="3512384"/>
+            <a:ext cx="1773499" cy="369332"/>
+          </a:xfrm>
+          <a:prstGeom prst="rect">
+            <a:avLst/>
+          </a:prstGeom>
+          <a:noFill/>
+        </p:spPr>
+        <p:txBody>
+          <a:bodyPr wrap="none" rtlCol="0">
+            <a:spAutoFit/>
+          </a:bodyPr>
+          <a:lstStyle/>
+          <a:p>
+            <a:r>
+              <a:rPr lang="en-US" dirty="0"/>
+              <a:t>Open boundary </a:t>
+            </a:r>
+          </a:p>
+        </p:txBody>
+      </p:sp>
+      <p:cxnSp>
+        <p:nvCxnSpPr>
+          <p:cNvPr id="13" name="Straight Arrow Connector 12">
+            <a:extLst>
+              <a:ext uri="{FF2B5EF4-FFF2-40B4-BE49-F238E27FC236}">
+                <a16:creationId xmlns:a16="http://schemas.microsoft.com/office/drawing/2014/main" id="{D0A34DE2-BECC-2AD4-B277-5ADA9D000BE9}"/>
+              </a:ext>
+            </a:extLst>
+          </p:cNvPr>
+          <p:cNvCxnSpPr>
+            <a:cxnSpLocks/>
+          </p:cNvCxnSpPr>
+          <p:nvPr/>
+        </p:nvCxnSpPr>
+        <p:spPr>
+          <a:xfrm flipH="1" flipV="1">
+            <a:off x="6287002" y="3685243"/>
+            <a:ext cx="1898918" cy="11807"/>
+          </a:xfrm>
+          <a:prstGeom prst="straightConnector1">
+            <a:avLst/>
+          </a:prstGeom>
+          <a:ln>
+            <a:tailEnd type="triangle"/>
+          </a:ln>
+        </p:spPr>
+        <p:style>
+          <a:lnRef idx="2">
+            <a:schemeClr val="dk1"/>
+          </a:lnRef>
+          <a:fillRef idx="0">
+            <a:schemeClr val="dk1"/>
+          </a:fillRef>
+          <a:effectRef idx="1">
+            <a:schemeClr val="dk1"/>
+          </a:effectRef>
+          <a:fontRef idx="minor">
+            <a:schemeClr val="tx1"/>
+          </a:fontRef>
+        </p:style>
+      </p:cxnSp>
     </p:spTree>
     <p:extLst>
       <p:ext uri="{BB962C8B-B14F-4D97-AF65-F5344CB8AC3E}">
